--- a/15-ModularCSS/14-ModularCSS.pptx
+++ b/15-ModularCSS/14-ModularCSS.pptx
@@ -13034,15 +13034,7 @@
                   <a:schemeClr val="lt1"/>
                 </a:solidFill>
               </a:rPr>
-              <a:t>Направете страница съдържаща таблици и бутони, </a:t>
-            </a:r>
-            <a:r>
-              <a:rPr lang="bg-BG" sz="2500" dirty="0" smtClean="0">
-                <a:solidFill>
-                  <a:schemeClr val="lt1"/>
-                </a:solidFill>
-              </a:rPr>
-              <a:t>както във файла </a:t>
+              <a:t>Направете страница съдържаща таблици и бутони, както във файла </a:t>
             </a:r>
             <a:r>
               <a:rPr lang="en-US" sz="2500" dirty="0" smtClean="0">
@@ -13050,15 +13042,7 @@
                   <a:schemeClr val="lt1"/>
                 </a:solidFill>
               </a:rPr>
-              <a:t>task1.png</a:t>
-            </a:r>
-            <a:r>
-              <a:rPr lang="en-US" sz="2500" dirty="0" smtClean="0">
-                <a:solidFill>
-                  <a:schemeClr val="lt1"/>
-                </a:solidFill>
-              </a:rPr>
-              <a:t>.</a:t>
+              <a:t>task1.png.</a:t>
             </a:r>
             <a:endParaRPr lang="bg-BG" sz="2500" dirty="0" smtClean="0">
               <a:solidFill>
@@ -13092,14 +13076,6 @@
                 </a:solidFill>
               </a:rPr>
               <a:t>Modular CSS</a:t>
-            </a:r>
-            <a:r>
-              <a:rPr lang="en-US" sz="2500" dirty="0" smtClean="0">
-                <a:solidFill>
-                  <a:schemeClr val="lt1"/>
-                </a:solidFill>
-              </a:rPr>
-              <a:t/>
             </a:r>
             <a:br>
               <a:rPr lang="en-US" sz="2500" dirty="0" smtClean="0">
@@ -13602,8 +13578,8 @@
         </p:blipFill>
         <p:spPr>
           <a:xfrm>
-            <a:off x="4558352" y="3825419"/>
-            <a:ext cx="4394579" cy="910353"/>
+            <a:off x="4544704" y="3579760"/>
+            <a:ext cx="4180195" cy="910353"/>
           </a:xfrm>
           <a:prstGeom prst="rect">
             <a:avLst/>
